--- a/documentation/Task2/PräsentationTask2.pptx
+++ b/documentation/Task2/PräsentationTask2.pptx
@@ -7,11 +7,12 @@
   <p:sldIdLst>
     <p:sldId id="256" r:id="rId2"/>
     <p:sldId id="257" r:id="rId3"/>
-    <p:sldId id="258" r:id="rId4"/>
-    <p:sldId id="260" r:id="rId5"/>
-    <p:sldId id="259" r:id="rId6"/>
-    <p:sldId id="261" r:id="rId7"/>
-    <p:sldId id="262" r:id="rId8"/>
+    <p:sldId id="263" r:id="rId4"/>
+    <p:sldId id="258" r:id="rId5"/>
+    <p:sldId id="260" r:id="rId6"/>
+    <p:sldId id="259" r:id="rId7"/>
+    <p:sldId id="261" r:id="rId8"/>
+    <p:sldId id="262" r:id="rId9"/>
   </p:sldIdLst>
   <p:sldSz cx="12192000" cy="6858000"/>
   <p:notesSz cx="6858000" cy="9144000"/>
@@ -124,6 +125,463 @@
     <p1510:client id="{CC786431-E7E8-40C2-92B8-090555220C61}" v="179" dt="2019-04-08T18:02:02.418"/>
   </p1510:revLst>
 </p1510:revInfo>
+</file>
+
+<file path=ppt/changesInfos/changesInfo1.xml><?xml version="1.0" encoding="utf-8"?>
+<pc:chgInfo xmlns:a="http://schemas.openxmlformats.org/drawingml/2006/main" xmlns:r="http://schemas.openxmlformats.org/officeDocument/2006/relationships" xmlns:ac="http://schemas.microsoft.com/office/drawing/2013/main/command" xmlns:pc="http://schemas.microsoft.com/office/powerpoint/2013/main/command">
+  <pc:docChgLst>
+    <pc:chgData name="Yaron Walter" userId="0f48124ea9afc789" providerId="LiveId" clId="{62017198-D480-4B46-8E7B-4B73F38B6A54}"/>
+    <pc:docChg chg="undo custSel addSld modSld">
+      <pc:chgData name="Yaron Walter" userId="0f48124ea9afc789" providerId="LiveId" clId="{62017198-D480-4B46-8E7B-4B73F38B6A54}" dt="2019-04-08T19:05:44.297" v="552" actId="14100"/>
+      <pc:docMkLst>
+        <pc:docMk/>
+      </pc:docMkLst>
+      <pc:sldChg chg="modSp modTransition">
+        <pc:chgData name="Yaron Walter" userId="0f48124ea9afc789" providerId="LiveId" clId="{62017198-D480-4B46-8E7B-4B73F38B6A54}" dt="2019-04-08T18:22:44.919" v="496"/>
+        <pc:sldMkLst>
+          <pc:docMk/>
+          <pc:sldMk cId="1285003294" sldId="256"/>
+        </pc:sldMkLst>
+        <pc:spChg chg="mod">
+          <ac:chgData name="Yaron Walter" userId="0f48124ea9afc789" providerId="LiveId" clId="{62017198-D480-4B46-8E7B-4B73F38B6A54}" dt="2019-04-08T17:53:51.339" v="0"/>
+          <ac:spMkLst>
+            <pc:docMk/>
+            <pc:sldMk cId="1285003294" sldId="256"/>
+            <ac:spMk id="2" creationId="{38751CCB-F864-4C30-BC0F-01628BA67A85}"/>
+          </ac:spMkLst>
+        </pc:spChg>
+        <pc:spChg chg="mod">
+          <ac:chgData name="Yaron Walter" userId="0f48124ea9afc789" providerId="LiveId" clId="{62017198-D480-4B46-8E7B-4B73F38B6A54}" dt="2019-04-08T17:53:59.592" v="2" actId="20577"/>
+          <ac:spMkLst>
+            <pc:docMk/>
+            <pc:sldMk cId="1285003294" sldId="256"/>
+            <ac:spMk id="3" creationId="{80B1DAC9-13C1-40BD-AAAC-EDE2B9949670}"/>
+          </ac:spMkLst>
+        </pc:spChg>
+      </pc:sldChg>
+      <pc:sldChg chg="addSp delSp modSp modTransition">
+        <pc:chgData name="Yaron Walter" userId="0f48124ea9afc789" providerId="LiveId" clId="{62017198-D480-4B46-8E7B-4B73F38B6A54}" dt="2019-04-08T18:22:44.919" v="496"/>
+        <pc:sldMkLst>
+          <pc:docMk/>
+          <pc:sldMk cId="3156915565" sldId="257"/>
+        </pc:sldMkLst>
+        <pc:spChg chg="mod">
+          <ac:chgData name="Yaron Walter" userId="0f48124ea9afc789" providerId="LiveId" clId="{62017198-D480-4B46-8E7B-4B73F38B6A54}" dt="2019-04-08T18:12:33.041" v="473" actId="1076"/>
+          <ac:spMkLst>
+            <pc:docMk/>
+            <pc:sldMk cId="3156915565" sldId="257"/>
+            <ac:spMk id="3" creationId="{A28974FD-5A76-486E-A003-FB9F31CBAA85}"/>
+          </ac:spMkLst>
+        </pc:spChg>
+        <pc:spChg chg="add del mod">
+          <ac:chgData name="Yaron Walter" userId="0f48124ea9afc789" providerId="LiveId" clId="{62017198-D480-4B46-8E7B-4B73F38B6A54}" dt="2019-04-08T18:13:11.623" v="478"/>
+          <ac:spMkLst>
+            <pc:docMk/>
+            <pc:sldMk cId="3156915565" sldId="257"/>
+            <ac:spMk id="6" creationId="{9D66B3CC-470A-4339-8471-29E6E61407E5}"/>
+          </ac:spMkLst>
+        </pc:spChg>
+        <pc:picChg chg="add del mod">
+          <ac:chgData name="Yaron Walter" userId="0f48124ea9afc789" providerId="LiveId" clId="{62017198-D480-4B46-8E7B-4B73F38B6A54}" dt="2019-04-08T18:12:47.437" v="474" actId="478"/>
+          <ac:picMkLst>
+            <pc:docMk/>
+            <pc:sldMk cId="3156915565" sldId="257"/>
+            <ac:picMk id="4" creationId="{7A130053-94F1-45CE-BB5C-FA62235515C4}"/>
+          </ac:picMkLst>
+        </pc:picChg>
+        <pc:picChg chg="add del mod">
+          <ac:chgData name="Yaron Walter" userId="0f48124ea9afc789" providerId="LiveId" clId="{62017198-D480-4B46-8E7B-4B73F38B6A54}" dt="2019-04-08T18:12:52.449" v="476" actId="478"/>
+          <ac:picMkLst>
+            <pc:docMk/>
+            <pc:sldMk cId="3156915565" sldId="257"/>
+            <ac:picMk id="5" creationId="{61C01237-61E5-4557-BA53-5EE70BA366BF}"/>
+          </ac:picMkLst>
+        </pc:picChg>
+        <pc:picChg chg="add mod">
+          <ac:chgData name="Yaron Walter" userId="0f48124ea9afc789" providerId="LiveId" clId="{62017198-D480-4B46-8E7B-4B73F38B6A54}" dt="2019-04-08T18:13:34.638" v="481" actId="1076"/>
+          <ac:picMkLst>
+            <pc:docMk/>
+            <pc:sldMk cId="3156915565" sldId="257"/>
+            <ac:picMk id="7" creationId="{E646FC2F-103C-46F6-A943-7CADDE245606}"/>
+          </ac:picMkLst>
+        </pc:picChg>
+      </pc:sldChg>
+      <pc:sldChg chg="modSp modTransition">
+        <pc:chgData name="Yaron Walter" userId="0f48124ea9afc789" providerId="LiveId" clId="{62017198-D480-4B46-8E7B-4B73F38B6A54}" dt="2019-04-08T18:30:04.217" v="505" actId="20577"/>
+        <pc:sldMkLst>
+          <pc:docMk/>
+          <pc:sldMk cId="3103520753" sldId="258"/>
+        </pc:sldMkLst>
+        <pc:spChg chg="mod">
+          <ac:chgData name="Yaron Walter" userId="0f48124ea9afc789" providerId="LiveId" clId="{62017198-D480-4B46-8E7B-4B73F38B6A54}" dt="2019-04-08T18:30:04.217" v="505" actId="20577"/>
+          <ac:spMkLst>
+            <pc:docMk/>
+            <pc:sldMk cId="3103520753" sldId="258"/>
+            <ac:spMk id="3" creationId="{F859A508-5BDD-4000-8C30-A097ED990546}"/>
+          </ac:spMkLst>
+        </pc:spChg>
+      </pc:sldChg>
+      <pc:sldChg chg="modTransition">
+        <pc:chgData name="Yaron Walter" userId="0f48124ea9afc789" providerId="LiveId" clId="{62017198-D480-4B46-8E7B-4B73F38B6A54}" dt="2019-04-08T18:22:44.919" v="496"/>
+        <pc:sldMkLst>
+          <pc:docMk/>
+          <pc:sldMk cId="2513437308" sldId="259"/>
+        </pc:sldMkLst>
+      </pc:sldChg>
+      <pc:sldChg chg="modSp modTransition">
+        <pc:chgData name="Yaron Walter" userId="0f48124ea9afc789" providerId="LiveId" clId="{62017198-D480-4B46-8E7B-4B73F38B6A54}" dt="2019-04-08T18:22:44.919" v="496"/>
+        <pc:sldMkLst>
+          <pc:docMk/>
+          <pc:sldMk cId="1045289133" sldId="260"/>
+        </pc:sldMkLst>
+        <pc:spChg chg="mod">
+          <ac:chgData name="Yaron Walter" userId="0f48124ea9afc789" providerId="LiveId" clId="{62017198-D480-4B46-8E7B-4B73F38B6A54}" dt="2019-04-08T18:15:39.214" v="495" actId="1076"/>
+          <ac:spMkLst>
+            <pc:docMk/>
+            <pc:sldMk cId="1045289133" sldId="260"/>
+            <ac:spMk id="2" creationId="{26ABFED2-16D5-4532-93BF-CF6757428F5D}"/>
+          </ac:spMkLst>
+        </pc:spChg>
+        <pc:picChg chg="mod">
+          <ac:chgData name="Yaron Walter" userId="0f48124ea9afc789" providerId="LiveId" clId="{62017198-D480-4B46-8E7B-4B73F38B6A54}" dt="2019-04-08T18:15:27.884" v="493" actId="14100"/>
+          <ac:picMkLst>
+            <pc:docMk/>
+            <pc:sldMk cId="1045289133" sldId="260"/>
+            <ac:picMk id="6" creationId="{49327667-C347-4CA5-BD49-EE343F87ECD5}"/>
+          </ac:picMkLst>
+        </pc:picChg>
+      </pc:sldChg>
+      <pc:sldChg chg="modSp modTransition">
+        <pc:chgData name="Yaron Walter" userId="0f48124ea9afc789" providerId="LiveId" clId="{62017198-D480-4B46-8E7B-4B73F38B6A54}" dt="2019-04-08T18:22:44.919" v="496"/>
+        <pc:sldMkLst>
+          <pc:docMk/>
+          <pc:sldMk cId="2616379727" sldId="261"/>
+        </pc:sldMkLst>
+        <pc:spChg chg="mod">
+          <ac:chgData name="Yaron Walter" userId="0f48124ea9afc789" providerId="LiveId" clId="{62017198-D480-4B46-8E7B-4B73F38B6A54}" dt="2019-04-08T18:10:47.239" v="463" actId="20577"/>
+          <ac:spMkLst>
+            <pc:docMk/>
+            <pc:sldMk cId="2616379727" sldId="261"/>
+            <ac:spMk id="8" creationId="{17E0919F-5749-4291-9DCD-18F2BDCFA5CA}"/>
+          </ac:spMkLst>
+        </pc:spChg>
+      </pc:sldChg>
+      <pc:sldChg chg="modTransition">
+        <pc:chgData name="Yaron Walter" userId="0f48124ea9afc789" providerId="LiveId" clId="{62017198-D480-4B46-8E7B-4B73F38B6A54}" dt="2019-04-08T18:22:44.919" v="496"/>
+        <pc:sldMkLst>
+          <pc:docMk/>
+          <pc:sldMk cId="3678218282" sldId="262"/>
+        </pc:sldMkLst>
+      </pc:sldChg>
+      <pc:sldChg chg="addSp delSp modSp add">
+        <pc:chgData name="Yaron Walter" userId="0f48124ea9afc789" providerId="LiveId" clId="{62017198-D480-4B46-8E7B-4B73F38B6A54}" dt="2019-04-08T19:05:44.297" v="552" actId="14100"/>
+        <pc:sldMkLst>
+          <pc:docMk/>
+          <pc:sldMk cId="3435383364" sldId="263"/>
+        </pc:sldMkLst>
+        <pc:spChg chg="mod">
+          <ac:chgData name="Yaron Walter" userId="0f48124ea9afc789" providerId="LiveId" clId="{62017198-D480-4B46-8E7B-4B73F38B6A54}" dt="2019-04-08T19:05:20.713" v="549" actId="20577"/>
+          <ac:spMkLst>
+            <pc:docMk/>
+            <pc:sldMk cId="3435383364" sldId="263"/>
+            <ac:spMk id="2" creationId="{87B8C0DC-03F2-477A-BDC6-5FA0AB56C703}"/>
+          </ac:spMkLst>
+        </pc:spChg>
+        <pc:spChg chg="del">
+          <ac:chgData name="Yaron Walter" userId="0f48124ea9afc789" providerId="LiveId" clId="{62017198-D480-4B46-8E7B-4B73F38B6A54}" dt="2019-04-08T19:05:36.821" v="550"/>
+          <ac:spMkLst>
+            <pc:docMk/>
+            <pc:sldMk cId="3435383364" sldId="263"/>
+            <ac:spMk id="3" creationId="{D661B1DE-8AB3-4C76-BDB2-BD9C676CCE5F}"/>
+          </ac:spMkLst>
+        </pc:spChg>
+        <pc:picChg chg="add mod">
+          <ac:chgData name="Yaron Walter" userId="0f48124ea9afc789" providerId="LiveId" clId="{62017198-D480-4B46-8E7B-4B73F38B6A54}" dt="2019-04-08T19:05:44.297" v="552" actId="14100"/>
+          <ac:picMkLst>
+            <pc:docMk/>
+            <pc:sldMk cId="3435383364" sldId="263"/>
+            <ac:picMk id="5" creationId="{AACB03D0-C8F6-401B-B77F-591F7296BD93}"/>
+          </ac:picMkLst>
+        </pc:picChg>
+      </pc:sldChg>
+    </pc:docChg>
+  </pc:docChgLst>
+  <pc:docChgLst>
+    <pc:chgData name="Nadine Siegfried" userId="201ed3438e615b6e" providerId="LiveId" clId="{588B6DA2-7B90-4F2D-B605-FC64ACF40FDF}"/>
+    <pc:docChg chg="undo custSel addSld modSld sldOrd">
+      <pc:chgData name="Nadine Siegfried" userId="201ed3438e615b6e" providerId="LiveId" clId="{588B6DA2-7B90-4F2D-B605-FC64ACF40FDF}" dt="2019-04-08T18:05:37.749" v="435" actId="1035"/>
+      <pc:docMkLst>
+        <pc:docMk/>
+      </pc:docMkLst>
+      <pc:sldChg chg="modSp add">
+        <pc:chgData name="Nadine Siegfried" userId="201ed3438e615b6e" providerId="LiveId" clId="{588B6DA2-7B90-4F2D-B605-FC64ACF40FDF}" dt="2019-04-08T17:54:23.172" v="48" actId="20577"/>
+        <pc:sldMkLst>
+          <pc:docMk/>
+          <pc:sldMk cId="3156915565" sldId="257"/>
+        </pc:sldMkLst>
+        <pc:spChg chg="mod">
+          <ac:chgData name="Nadine Siegfried" userId="201ed3438e615b6e" providerId="LiveId" clId="{588B6DA2-7B90-4F2D-B605-FC64ACF40FDF}" dt="2019-04-08T17:54:06.932" v="23" actId="20577"/>
+          <ac:spMkLst>
+            <pc:docMk/>
+            <pc:sldMk cId="3156915565" sldId="257"/>
+            <ac:spMk id="2" creationId="{A4E88138-13FE-4E7E-B119-44897B1A0687}"/>
+          </ac:spMkLst>
+        </pc:spChg>
+        <pc:spChg chg="mod">
+          <ac:chgData name="Nadine Siegfried" userId="201ed3438e615b6e" providerId="LiveId" clId="{588B6DA2-7B90-4F2D-B605-FC64ACF40FDF}" dt="2019-04-08T17:54:23.172" v="48" actId="20577"/>
+          <ac:spMkLst>
+            <pc:docMk/>
+            <pc:sldMk cId="3156915565" sldId="257"/>
+            <ac:spMk id="3" creationId="{A28974FD-5A76-486E-A003-FB9F31CBAA85}"/>
+          </ac:spMkLst>
+        </pc:spChg>
+      </pc:sldChg>
+      <pc:sldChg chg="modSp add">
+        <pc:chgData name="Nadine Siegfried" userId="201ed3438e615b6e" providerId="LiveId" clId="{588B6DA2-7B90-4F2D-B605-FC64ACF40FDF}" dt="2019-04-08T17:58:46.256" v="181" actId="20577"/>
+        <pc:sldMkLst>
+          <pc:docMk/>
+          <pc:sldMk cId="3103520753" sldId="258"/>
+        </pc:sldMkLst>
+        <pc:spChg chg="mod">
+          <ac:chgData name="Nadine Siegfried" userId="201ed3438e615b6e" providerId="LiveId" clId="{588B6DA2-7B90-4F2D-B605-FC64ACF40FDF}" dt="2019-04-08T17:56:13.253" v="68" actId="20577"/>
+          <ac:spMkLst>
+            <pc:docMk/>
+            <pc:sldMk cId="3103520753" sldId="258"/>
+            <ac:spMk id="2" creationId="{6D8D9A71-CE33-4047-B85F-017F35C35B55}"/>
+          </ac:spMkLst>
+        </pc:spChg>
+        <pc:spChg chg="mod">
+          <ac:chgData name="Nadine Siegfried" userId="201ed3438e615b6e" providerId="LiveId" clId="{588B6DA2-7B90-4F2D-B605-FC64ACF40FDF}" dt="2019-04-08T17:58:46.256" v="181" actId="20577"/>
+          <ac:spMkLst>
+            <pc:docMk/>
+            <pc:sldMk cId="3103520753" sldId="258"/>
+            <ac:spMk id="3" creationId="{F859A508-5BDD-4000-8C30-A097ED990546}"/>
+          </ac:spMkLst>
+        </pc:spChg>
+      </pc:sldChg>
+      <pc:sldChg chg="addSp delSp modSp add">
+        <pc:chgData name="Nadine Siegfried" userId="201ed3438e615b6e" providerId="LiveId" clId="{588B6DA2-7B90-4F2D-B605-FC64ACF40FDF}" dt="2019-04-08T18:01:39.140" v="378" actId="5793"/>
+        <pc:sldMkLst>
+          <pc:docMk/>
+          <pc:sldMk cId="2513437308" sldId="259"/>
+        </pc:sldMkLst>
+        <pc:spChg chg="mod">
+          <ac:chgData name="Nadine Siegfried" userId="201ed3438e615b6e" providerId="LiveId" clId="{588B6DA2-7B90-4F2D-B605-FC64ACF40FDF}" dt="2019-04-08T17:56:21.335" v="82" actId="20577"/>
+          <ac:spMkLst>
+            <pc:docMk/>
+            <pc:sldMk cId="2513437308" sldId="259"/>
+            <ac:spMk id="2" creationId="{3424ECCF-D8EE-4D23-BC78-350ED9F8037F}"/>
+          </ac:spMkLst>
+        </pc:spChg>
+        <pc:spChg chg="del">
+          <ac:chgData name="Nadine Siegfried" userId="201ed3438e615b6e" providerId="LiveId" clId="{588B6DA2-7B90-4F2D-B605-FC64ACF40FDF}" dt="2019-04-08T17:56:28.572" v="83"/>
+          <ac:spMkLst>
+            <pc:docMk/>
+            <pc:sldMk cId="2513437308" sldId="259"/>
+            <ac:spMk id="3" creationId="{CEBD0038-B62F-4583-8B56-64AE4C5E5C6C}"/>
+          </ac:spMkLst>
+        </pc:spChg>
+        <pc:spChg chg="add mod">
+          <ac:chgData name="Nadine Siegfried" userId="201ed3438e615b6e" providerId="LiveId" clId="{588B6DA2-7B90-4F2D-B605-FC64ACF40FDF}" dt="2019-04-08T18:00:22.612" v="299" actId="20577"/>
+          <ac:spMkLst>
+            <pc:docMk/>
+            <pc:sldMk cId="2513437308" sldId="259"/>
+            <ac:spMk id="4" creationId="{E77903A8-DBAD-495D-81CD-BDC084CABDDC}"/>
+          </ac:spMkLst>
+        </pc:spChg>
+        <pc:spChg chg="add del mod">
+          <ac:chgData name="Nadine Siegfried" userId="201ed3438e615b6e" providerId="LiveId" clId="{588B6DA2-7B90-4F2D-B605-FC64ACF40FDF}" dt="2019-04-08T17:57:01.444" v="95"/>
+          <ac:spMkLst>
+            <pc:docMk/>
+            <pc:sldMk cId="2513437308" sldId="259"/>
+            <ac:spMk id="5" creationId="{792A26C1-B3E3-43EC-A5B9-37EACDD13D49}"/>
+          </ac:spMkLst>
+        </pc:spChg>
+        <pc:spChg chg="add mod">
+          <ac:chgData name="Nadine Siegfried" userId="201ed3438e615b6e" providerId="LiveId" clId="{588B6DA2-7B90-4F2D-B605-FC64ACF40FDF}" dt="2019-04-08T17:57:15.207" v="125" actId="5793"/>
+          <ac:spMkLst>
+            <pc:docMk/>
+            <pc:sldMk cId="2513437308" sldId="259"/>
+            <ac:spMk id="6" creationId="{1A978FF0-416E-435D-A1B6-8E806648C90A}"/>
+          </ac:spMkLst>
+        </pc:spChg>
+        <pc:spChg chg="add mod">
+          <ac:chgData name="Nadine Siegfried" userId="201ed3438e615b6e" providerId="LiveId" clId="{588B6DA2-7B90-4F2D-B605-FC64ACF40FDF}" dt="2019-04-08T17:57:09.408" v="122" actId="20577"/>
+          <ac:spMkLst>
+            <pc:docMk/>
+            <pc:sldMk cId="2513437308" sldId="259"/>
+            <ac:spMk id="7" creationId="{F29391AC-1C0C-4B1E-8634-CDC086C3E1D9}"/>
+          </ac:spMkLst>
+        </pc:spChg>
+        <pc:spChg chg="add mod">
+          <ac:chgData name="Nadine Siegfried" userId="201ed3438e615b6e" providerId="LiveId" clId="{588B6DA2-7B90-4F2D-B605-FC64ACF40FDF}" dt="2019-04-08T18:01:39.140" v="378" actId="5793"/>
+          <ac:spMkLst>
+            <pc:docMk/>
+            <pc:sldMk cId="2513437308" sldId="259"/>
+            <ac:spMk id="8" creationId="{7490C203-A0E7-4A79-A34E-B81FEFF6D2BC}"/>
+          </ac:spMkLst>
+        </pc:spChg>
+      </pc:sldChg>
+      <pc:sldChg chg="addSp delSp modSp add ord">
+        <pc:chgData name="Nadine Siegfried" userId="201ed3438e615b6e" providerId="LiveId" clId="{588B6DA2-7B90-4F2D-B605-FC64ACF40FDF}" dt="2019-04-08T18:05:37.749" v="435" actId="1035"/>
+        <pc:sldMkLst>
+          <pc:docMk/>
+          <pc:sldMk cId="1045289133" sldId="260"/>
+        </pc:sldMkLst>
+        <pc:spChg chg="mod">
+          <ac:chgData name="Nadine Siegfried" userId="201ed3438e615b6e" providerId="LiveId" clId="{588B6DA2-7B90-4F2D-B605-FC64ACF40FDF}" dt="2019-04-08T17:57:27.118" v="138" actId="20577"/>
+          <ac:spMkLst>
+            <pc:docMk/>
+            <pc:sldMk cId="1045289133" sldId="260"/>
+            <ac:spMk id="2" creationId="{26ABFED2-16D5-4532-93BF-CF6757428F5D}"/>
+          </ac:spMkLst>
+        </pc:spChg>
+        <pc:spChg chg="del">
+          <ac:chgData name="Nadine Siegfried" userId="201ed3438e615b6e" providerId="LiveId" clId="{588B6DA2-7B90-4F2D-B605-FC64ACF40FDF}" dt="2019-04-08T17:59:03.121" v="182"/>
+          <ac:spMkLst>
+            <pc:docMk/>
+            <pc:sldMk cId="1045289133" sldId="260"/>
+            <ac:spMk id="3" creationId="{A938C2A6-4D21-45F3-95B6-D829DAA9161F}"/>
+          </ac:spMkLst>
+        </pc:spChg>
+        <pc:spChg chg="del">
+          <ac:chgData name="Nadine Siegfried" userId="201ed3438e615b6e" providerId="LiveId" clId="{588B6DA2-7B90-4F2D-B605-FC64ACF40FDF}" dt="2019-04-08T17:59:03.121" v="182"/>
+          <ac:spMkLst>
+            <pc:docMk/>
+            <pc:sldMk cId="1045289133" sldId="260"/>
+            <ac:spMk id="4" creationId="{D3F320AB-306D-4F9B-87B4-BF51B01AC213}"/>
+          </ac:spMkLst>
+        </pc:spChg>
+        <pc:spChg chg="add del mod">
+          <ac:chgData name="Nadine Siegfried" userId="201ed3438e615b6e" providerId="LiveId" clId="{588B6DA2-7B90-4F2D-B605-FC64ACF40FDF}" dt="2019-04-08T17:59:14.944" v="183"/>
+          <ac:spMkLst>
+            <pc:docMk/>
+            <pc:sldMk cId="1045289133" sldId="260"/>
+            <ac:spMk id="5" creationId="{B1161F5A-27E5-41C4-A60B-67C9342D43CE}"/>
+          </ac:spMkLst>
+        </pc:spChg>
+        <pc:picChg chg="add mod">
+          <ac:chgData name="Nadine Siegfried" userId="201ed3438e615b6e" providerId="LiveId" clId="{588B6DA2-7B90-4F2D-B605-FC64ACF40FDF}" dt="2019-04-08T18:05:37.749" v="435" actId="1035"/>
+          <ac:picMkLst>
+            <pc:docMk/>
+            <pc:sldMk cId="1045289133" sldId="260"/>
+            <ac:picMk id="6" creationId="{49327667-C347-4CA5-BD49-EE343F87ECD5}"/>
+          </ac:picMkLst>
+        </pc:picChg>
+      </pc:sldChg>
+      <pc:sldChg chg="addSp delSp modSp add">
+        <pc:chgData name="Nadine Siegfried" userId="201ed3438e615b6e" providerId="LiveId" clId="{588B6DA2-7B90-4F2D-B605-FC64ACF40FDF}" dt="2019-04-08T17:57:56.065" v="172" actId="20577"/>
+        <pc:sldMkLst>
+          <pc:docMk/>
+          <pc:sldMk cId="2616379727" sldId="261"/>
+        </pc:sldMkLst>
+        <pc:spChg chg="del">
+          <ac:chgData name="Nadine Siegfried" userId="201ed3438e615b6e" providerId="LiveId" clId="{588B6DA2-7B90-4F2D-B605-FC64ACF40FDF}" dt="2019-04-08T17:57:40.179" v="141"/>
+          <ac:spMkLst>
+            <pc:docMk/>
+            <pc:sldMk cId="2616379727" sldId="261"/>
+            <ac:spMk id="2" creationId="{5AD23964-3596-4B34-B3E1-26BB32429329}"/>
+          </ac:spMkLst>
+        </pc:spChg>
+        <pc:spChg chg="del">
+          <ac:chgData name="Nadine Siegfried" userId="201ed3438e615b6e" providerId="LiveId" clId="{588B6DA2-7B90-4F2D-B605-FC64ACF40FDF}" dt="2019-04-08T17:57:40.179" v="141"/>
+          <ac:spMkLst>
+            <pc:docMk/>
+            <pc:sldMk cId="2616379727" sldId="261"/>
+            <ac:spMk id="3" creationId="{C57E2DCC-CB3B-44B4-9B9A-27B77A3E83C1}"/>
+          </ac:spMkLst>
+        </pc:spChg>
+        <pc:spChg chg="del">
+          <ac:chgData name="Nadine Siegfried" userId="201ed3438e615b6e" providerId="LiveId" clId="{588B6DA2-7B90-4F2D-B605-FC64ACF40FDF}" dt="2019-04-08T17:57:40.179" v="141"/>
+          <ac:spMkLst>
+            <pc:docMk/>
+            <pc:sldMk cId="2616379727" sldId="261"/>
+            <ac:spMk id="4" creationId="{63A671BF-B668-4FC0-B660-E55B80386F60}"/>
+          </ac:spMkLst>
+        </pc:spChg>
+        <pc:spChg chg="del">
+          <ac:chgData name="Nadine Siegfried" userId="201ed3438e615b6e" providerId="LiveId" clId="{588B6DA2-7B90-4F2D-B605-FC64ACF40FDF}" dt="2019-04-08T17:57:40.179" v="141"/>
+          <ac:spMkLst>
+            <pc:docMk/>
+            <pc:sldMk cId="2616379727" sldId="261"/>
+            <ac:spMk id="5" creationId="{B6BB5D57-0A07-4E38-BDEB-2C3DAADA1D71}"/>
+          </ac:spMkLst>
+        </pc:spChg>
+        <pc:spChg chg="del">
+          <ac:chgData name="Nadine Siegfried" userId="201ed3438e615b6e" providerId="LiveId" clId="{588B6DA2-7B90-4F2D-B605-FC64ACF40FDF}" dt="2019-04-08T17:57:40.179" v="141"/>
+          <ac:spMkLst>
+            <pc:docMk/>
+            <pc:sldMk cId="2616379727" sldId="261"/>
+            <ac:spMk id="6" creationId="{BFD3595F-5771-4043-8F4D-78FDBB3A8BC8}"/>
+          </ac:spMkLst>
+        </pc:spChg>
+        <pc:spChg chg="add mod">
+          <ac:chgData name="Nadine Siegfried" userId="201ed3438e615b6e" providerId="LiveId" clId="{588B6DA2-7B90-4F2D-B605-FC64ACF40FDF}" dt="2019-04-08T17:57:56.065" v="172" actId="20577"/>
+          <ac:spMkLst>
+            <pc:docMk/>
+            <pc:sldMk cId="2616379727" sldId="261"/>
+            <ac:spMk id="7" creationId="{1D206FE8-6765-4739-8E0B-2B93DA583D32}"/>
+          </ac:spMkLst>
+        </pc:spChg>
+        <pc:spChg chg="add mod">
+          <ac:chgData name="Nadine Siegfried" userId="201ed3438e615b6e" providerId="LiveId" clId="{588B6DA2-7B90-4F2D-B605-FC64ACF40FDF}" dt="2019-04-08T17:57:40.179" v="141"/>
+          <ac:spMkLst>
+            <pc:docMk/>
+            <pc:sldMk cId="2616379727" sldId="261"/>
+            <ac:spMk id="8" creationId="{17E0919F-5749-4291-9DCD-18F2BDCFA5CA}"/>
+          </ac:spMkLst>
+        </pc:spChg>
+      </pc:sldChg>
+      <pc:sldChg chg="modSp add">
+        <pc:chgData name="Nadine Siegfried" userId="201ed3438e615b6e" providerId="LiveId" clId="{588B6DA2-7B90-4F2D-B605-FC64ACF40FDF}" dt="2019-04-08T18:02:12.263" v="406" actId="20577"/>
+        <pc:sldMkLst>
+          <pc:docMk/>
+          <pc:sldMk cId="3678218282" sldId="262"/>
+        </pc:sldMkLst>
+        <pc:spChg chg="mod">
+          <ac:chgData name="Nadine Siegfried" userId="201ed3438e615b6e" providerId="LiveId" clId="{588B6DA2-7B90-4F2D-B605-FC64ACF40FDF}" dt="2019-04-08T17:57:59.247" v="179" actId="20577"/>
+          <ac:spMkLst>
+            <pc:docMk/>
+            <pc:sldMk cId="3678218282" sldId="262"/>
+            <ac:spMk id="2" creationId="{B26A1BFD-5DFE-4837-ACA6-B3E3C13432DC}"/>
+          </ac:spMkLst>
+        </pc:spChg>
+        <pc:spChg chg="mod">
+          <ac:chgData name="Nadine Siegfried" userId="201ed3438e615b6e" providerId="LiveId" clId="{588B6DA2-7B90-4F2D-B605-FC64ACF40FDF}" dt="2019-04-08T18:02:12.263" v="406" actId="20577"/>
+          <ac:spMkLst>
+            <pc:docMk/>
+            <pc:sldMk cId="3678218282" sldId="262"/>
+            <ac:spMk id="3" creationId="{6833778D-3FBD-4955-9FEE-00CD2E69D107}"/>
+          </ac:spMkLst>
+        </pc:spChg>
+      </pc:sldChg>
+    </pc:docChg>
+  </pc:docChgLst>
+  <pc:docChgLst>
+    <pc:chgData name="Lucien Heuzeveldt" userId="cc90a6034fc9986e" providerId="Windows Live" clId="Web-{CC786431-E7E8-40C2-92B8-090555220C61}"/>
+    <pc:docChg chg="modSld">
+      <pc:chgData name="Lucien Heuzeveldt" userId="cc90a6034fc9986e" providerId="Windows Live" clId="Web-{CC786431-E7E8-40C2-92B8-090555220C61}" dt="2019-04-08T18:02:02.418" v="386" actId="20577"/>
+      <pc:docMkLst>
+        <pc:docMk/>
+      </pc:docMkLst>
+      <pc:sldChg chg="modSp">
+        <pc:chgData name="Lucien Heuzeveldt" userId="cc90a6034fc9986e" providerId="Windows Live" clId="Web-{CC786431-E7E8-40C2-92B8-090555220C61}" dt="2019-04-08T18:02:02.418" v="385" actId="20577"/>
+        <pc:sldMkLst>
+          <pc:docMk/>
+          <pc:sldMk cId="3103520753" sldId="258"/>
+        </pc:sldMkLst>
+        <pc:spChg chg="mod">
+          <ac:chgData name="Lucien Heuzeveldt" userId="cc90a6034fc9986e" providerId="Windows Live" clId="Web-{CC786431-E7E8-40C2-92B8-090555220C61}" dt="2019-04-08T18:02:02.418" v="385" actId="20577"/>
+          <ac:spMkLst>
+            <pc:docMk/>
+            <pc:sldMk cId="3103520753" sldId="258"/>
+            <ac:spMk id="3" creationId="{F859A508-5BDD-4000-8C30-A097ED990546}"/>
+          </ac:spMkLst>
+        </pc:spChg>
+      </pc:sldChg>
+    </pc:docChg>
+  </pc:docChgLst>
+</pc:chgInfo>
 </file>
 
 <file path=ppt/slideLayouts/slideLayout1.xml><?xml version="1.0" encoding="utf-8"?>
@@ -7743,7 +8201,6 @@
               <a:rPr lang="de-CH" dirty="0"/>
               <a:t>Lucien, Simon, Yaron, Michelle, Nadine</a:t>
             </a:r>
-            <a:endParaRPr lang="de-CH"/>
           </a:p>
         </p:txBody>
       </p:sp>
@@ -7924,7 +8381,7 @@
           <p:cNvPr id="2" name="Titel 1">
             <a:extLst>
               <a:ext uri="{FF2B5EF4-FFF2-40B4-BE49-F238E27FC236}">
-                <a16:creationId xmlns:a16="http://schemas.microsoft.com/office/drawing/2014/main" id="{6D8D9A71-CE33-4047-B85F-017F35C35B55}"/>
+                <a16:creationId xmlns:a16="http://schemas.microsoft.com/office/drawing/2014/main" id="{87B8C0DC-03F2-477A-BDC6-5FA0AB56C703}"/>
               </a:ext>
             </a:extLst>
           </p:cNvPr>
@@ -7942,112 +8399,56 @@
           <a:p>
             <a:r>
               <a:rPr lang="de-CH" dirty="0"/>
-              <a:t>Systemarchitektur</a:t>
-            </a:r>
-          </a:p>
-        </p:txBody>
-      </p:sp>
-      <p:sp>
-        <p:nvSpPr>
-          <p:cNvPr id="3" name="Inhaltsplatzhalter 2">
+              <a:t>Use Case Diagramm – Seminar Finder</a:t>
+            </a:r>
+          </a:p>
+        </p:txBody>
+      </p:sp>
+      <p:pic>
+        <p:nvPicPr>
+          <p:cNvPr id="5" name="Inhaltsplatzhalter 4">
             <a:extLst>
               <a:ext uri="{FF2B5EF4-FFF2-40B4-BE49-F238E27FC236}">
-                <a16:creationId xmlns:a16="http://schemas.microsoft.com/office/drawing/2014/main" id="{F859A508-5BDD-4000-8C30-A097ED990546}"/>
+                <a16:creationId xmlns:a16="http://schemas.microsoft.com/office/drawing/2014/main" id="{AACB03D0-C8F6-401B-B77F-591F7296BD93}"/>
               </a:ext>
             </a:extLst>
           </p:cNvPr>
-          <p:cNvSpPr>
-            <a:spLocks noGrp="1"/>
-          </p:cNvSpPr>
+          <p:cNvPicPr>
+            <a:picLocks noGrp="1" noChangeAspect="1"/>
+          </p:cNvPicPr>
           <p:nvPr>
             <p:ph idx="1"/>
           </p:nvPr>
-        </p:nvSpPr>
-        <p:spPr/>
-        <p:txBody>
-          <a:bodyPr vert="horz" lIns="91440" tIns="45720" rIns="91440" bIns="45720" rtlCol="0" anchor="t">
-            <a:normAutofit/>
-          </a:bodyPr>
-          <a:lstStyle/>
-          <a:p>
-            <a:r>
-              <a:rPr lang="de-CH"/>
-              <a:t>Frontend</a:t>
-            </a:r>
-          </a:p>
-          <a:p>
-            <a:pPr lvl="1"/>
-            <a:r>
-              <a:rPr lang="de-CH"/>
-              <a:t>Moderner Webbrowser vorausgesetzt</a:t>
-            </a:r>
-          </a:p>
-          <a:p>
-            <a:pPr lvl="1"/>
-            <a:r>
-              <a:rPr lang="de-CH"/>
-              <a:t>Responsive Design</a:t>
-            </a:r>
-          </a:p>
-          <a:p>
-            <a:r>
-              <a:rPr lang="de-CH"/>
-              <a:t>Backend</a:t>
-            </a:r>
-          </a:p>
-          <a:p>
-            <a:pPr lvl="1"/>
-            <a:r>
-              <a:rPr lang="de-CH"/>
-              <a:t>Java 11 &amp; </a:t>
-            </a:r>
-            <a:r>
-              <a:rPr lang="de-CH" err="1"/>
-              <a:t>Vaadin</a:t>
-            </a:r>
-          </a:p>
-          <a:p>
-            <a:pPr lvl="1"/>
-            <a:r>
-              <a:rPr lang="de-CH"/>
-              <a:t>Redundantes Hosting vorausgesetzt</a:t>
-            </a:r>
-          </a:p>
-          <a:p>
-            <a:pPr lvl="1"/>
-            <a:r>
-              <a:rPr lang="de-CH"/>
-              <a:t>Hauptfunktionen getrennt von einander</a:t>
-            </a:r>
-          </a:p>
-          <a:p>
-            <a:r>
-              <a:rPr lang="de-CH"/>
-              <a:t>Database</a:t>
-            </a:r>
-          </a:p>
-          <a:p>
-            <a:pPr lvl="1"/>
-            <a:r>
-              <a:rPr lang="de-CH"/>
-              <a:t>Speicherung der Daten (keine Daten im Backend)</a:t>
-            </a:r>
-          </a:p>
-        </p:txBody>
-      </p:sp>
+        </p:nvPicPr>
+        <p:blipFill>
+          <a:blip r:embed="rId2">
+            <a:extLst>
+              <a:ext uri="{28A0092B-C50C-407E-A947-70E740481C1C}">
+                <a14:useLocalDpi xmlns:a14="http://schemas.microsoft.com/office/drawing/2010/main" val="0"/>
+              </a:ext>
+            </a:extLst>
+          </a:blip>
+          <a:stretch>
+            <a:fillRect/>
+          </a:stretch>
+        </p:blipFill>
+        <p:spPr>
+          <a:xfrm>
+            <a:off x="2695575" y="1879031"/>
+            <a:ext cx="8496300" cy="4394122"/>
+          </a:xfrm>
+        </p:spPr>
+      </p:pic>
     </p:spTree>
     <p:extLst>
       <p:ext uri="{BB962C8B-B14F-4D97-AF65-F5344CB8AC3E}">
-        <p14:creationId xmlns:p14="http://schemas.microsoft.com/office/powerpoint/2010/main" val="3103520753"/>
+        <p14:creationId xmlns:p14="http://schemas.microsoft.com/office/powerpoint/2010/main" val="3435383364"/>
       </p:ext>
     </p:extLst>
   </p:cSld>
   <p:clrMapOvr>
     <a:masterClrMapping/>
   </p:clrMapOvr>
-  <p:transition spd="slow">
-    <p:push dir="u"/>
-  </p:transition>
 </p:sld>
 </file>
 
@@ -8073,6 +8474,156 @@
           <p:cNvPr id="2" name="Titel 1">
             <a:extLst>
               <a:ext uri="{FF2B5EF4-FFF2-40B4-BE49-F238E27FC236}">
+                <a16:creationId xmlns:a16="http://schemas.microsoft.com/office/drawing/2014/main" id="{6D8D9A71-CE33-4047-B85F-017F35C35B55}"/>
+              </a:ext>
+            </a:extLst>
+          </p:cNvPr>
+          <p:cNvSpPr>
+            <a:spLocks noGrp="1"/>
+          </p:cNvSpPr>
+          <p:nvPr>
+            <p:ph type="title"/>
+          </p:nvPr>
+        </p:nvSpPr>
+        <p:spPr/>
+        <p:txBody>
+          <a:bodyPr/>
+          <a:lstStyle/>
+          <a:p>
+            <a:r>
+              <a:rPr lang="de-CH" dirty="0"/>
+              <a:t>Systemarchitektur</a:t>
+            </a:r>
+          </a:p>
+        </p:txBody>
+      </p:sp>
+      <p:sp>
+        <p:nvSpPr>
+          <p:cNvPr id="3" name="Inhaltsplatzhalter 2">
+            <a:extLst>
+              <a:ext uri="{FF2B5EF4-FFF2-40B4-BE49-F238E27FC236}">
+                <a16:creationId xmlns:a16="http://schemas.microsoft.com/office/drawing/2014/main" id="{F859A508-5BDD-4000-8C30-A097ED990546}"/>
+              </a:ext>
+            </a:extLst>
+          </p:cNvPr>
+          <p:cNvSpPr>
+            <a:spLocks noGrp="1"/>
+          </p:cNvSpPr>
+          <p:nvPr>
+            <p:ph idx="1"/>
+          </p:nvPr>
+        </p:nvSpPr>
+        <p:spPr/>
+        <p:txBody>
+          <a:bodyPr vert="horz" lIns="91440" tIns="45720" rIns="91440" bIns="45720" rtlCol="0" anchor="t">
+            <a:normAutofit/>
+          </a:bodyPr>
+          <a:lstStyle/>
+          <a:p>
+            <a:r>
+              <a:rPr lang="de-CH" dirty="0"/>
+              <a:t>Frontend</a:t>
+            </a:r>
+          </a:p>
+          <a:p>
+            <a:pPr lvl="1"/>
+            <a:r>
+              <a:rPr lang="de-CH" dirty="0"/>
+              <a:t>Moderner Webbrowser vorausgesetzt</a:t>
+            </a:r>
+          </a:p>
+          <a:p>
+            <a:pPr lvl="1"/>
+            <a:r>
+              <a:rPr lang="de-CH" dirty="0"/>
+              <a:t>Responsive Design</a:t>
+            </a:r>
+          </a:p>
+          <a:p>
+            <a:r>
+              <a:rPr lang="de-CH" dirty="0"/>
+              <a:t>Backend</a:t>
+            </a:r>
+          </a:p>
+          <a:p>
+            <a:pPr lvl="1"/>
+            <a:r>
+              <a:rPr lang="de-CH" dirty="0"/>
+              <a:t>Java 11 &amp; </a:t>
+            </a:r>
+            <a:r>
+              <a:rPr lang="de-CH" dirty="0" err="1"/>
+              <a:t>Vaadin</a:t>
+            </a:r>
+            <a:endParaRPr lang="de-CH" dirty="0"/>
+          </a:p>
+          <a:p>
+            <a:pPr lvl="1"/>
+            <a:r>
+              <a:rPr lang="de-CH" dirty="0"/>
+              <a:t>Redundantes Hosting vorausgesetzt</a:t>
+            </a:r>
+          </a:p>
+          <a:p>
+            <a:pPr lvl="1"/>
+            <a:r>
+              <a:rPr lang="de-CH" dirty="0"/>
+              <a:t>Hauptfunktionen getrennt von einander</a:t>
+            </a:r>
+          </a:p>
+          <a:p>
+            <a:r>
+              <a:rPr lang="de-CH" dirty="0"/>
+              <a:t>Datenbank</a:t>
+            </a:r>
+          </a:p>
+          <a:p>
+            <a:pPr lvl="1"/>
+            <a:r>
+              <a:rPr lang="de-CH" dirty="0"/>
+              <a:t>Speicherung der Daten (keine Daten im Backend)</a:t>
+            </a:r>
+          </a:p>
+        </p:txBody>
+      </p:sp>
+    </p:spTree>
+    <p:extLst>
+      <p:ext uri="{BB962C8B-B14F-4D97-AF65-F5344CB8AC3E}">
+        <p14:creationId xmlns:p14="http://schemas.microsoft.com/office/powerpoint/2010/main" val="3103520753"/>
+      </p:ext>
+    </p:extLst>
+  </p:cSld>
+  <p:clrMapOvr>
+    <a:masterClrMapping/>
+  </p:clrMapOvr>
+  <p:transition spd="slow">
+    <p:push dir="u"/>
+  </p:transition>
+</p:sld>
+</file>
+
+<file path=ppt/slides/slide5.xml><?xml version="1.0" encoding="utf-8"?>
+<p:sld xmlns:a="http://schemas.openxmlformats.org/drawingml/2006/main" xmlns:r="http://schemas.openxmlformats.org/officeDocument/2006/relationships" xmlns:p="http://schemas.openxmlformats.org/presentationml/2006/main">
+  <p:cSld>
+    <p:spTree>
+      <p:nvGrpSpPr>
+        <p:cNvPr id="1" name=""/>
+        <p:cNvGrpSpPr/>
+        <p:nvPr/>
+      </p:nvGrpSpPr>
+      <p:grpSpPr>
+        <a:xfrm>
+          <a:off x="0" y="0"/>
+          <a:ext cx="0" cy="0"/>
+          <a:chOff x="0" y="0"/>
+          <a:chExt cx="0" cy="0"/>
+        </a:xfrm>
+      </p:grpSpPr>
+      <p:sp>
+        <p:nvSpPr>
+          <p:cNvPr id="2" name="Titel 1">
+            <a:extLst>
+              <a:ext uri="{FF2B5EF4-FFF2-40B4-BE49-F238E27FC236}">
                 <a16:creationId xmlns:a16="http://schemas.microsoft.com/office/drawing/2014/main" id="{26ABFED2-16D5-4532-93BF-CF6757428F5D}"/>
               </a:ext>
             </a:extLst>
@@ -8129,7 +8680,6 @@
                 </a:srgbClr>
               </a:clrTo>
             </a:clrChange>
-            <a:extLst/>
           </a:blip>
           <a:stretch>
             <a:fillRect/>
@@ -8161,239 +8711,6 @@
 </p:sld>
 </file>
 
-<file path=ppt/slides/slide5.xml><?xml version="1.0" encoding="utf-8"?>
-<p:sld xmlns:a="http://schemas.openxmlformats.org/drawingml/2006/main" xmlns:r="http://schemas.openxmlformats.org/officeDocument/2006/relationships" xmlns:p="http://schemas.openxmlformats.org/presentationml/2006/main">
-  <p:cSld>
-    <p:spTree>
-      <p:nvGrpSpPr>
-        <p:cNvPr id="1" name=""/>
-        <p:cNvGrpSpPr/>
-        <p:nvPr/>
-      </p:nvGrpSpPr>
-      <p:grpSpPr>
-        <a:xfrm>
-          <a:off x="0" y="0"/>
-          <a:ext cx="0" cy="0"/>
-          <a:chOff x="0" y="0"/>
-          <a:chExt cx="0" cy="0"/>
-        </a:xfrm>
-      </p:grpSpPr>
-      <p:sp>
-        <p:nvSpPr>
-          <p:cNvPr id="2" name="Titel 1">
-            <a:extLst>
-              <a:ext uri="{FF2B5EF4-FFF2-40B4-BE49-F238E27FC236}">
-                <a16:creationId xmlns:a16="http://schemas.microsoft.com/office/drawing/2014/main" id="{3424ECCF-D8EE-4D23-BC78-350ED9F8037F}"/>
-              </a:ext>
-            </a:extLst>
-          </p:cNvPr>
-          <p:cNvSpPr>
-            <a:spLocks noGrp="1"/>
-          </p:cNvSpPr>
-          <p:nvPr>
-            <p:ph type="title"/>
-          </p:nvPr>
-        </p:nvSpPr>
-        <p:spPr/>
-        <p:txBody>
-          <a:bodyPr/>
-          <a:lstStyle/>
-          <a:p>
-            <a:r>
-              <a:rPr lang="de-CH" dirty="0"/>
-              <a:t>Anforderungen</a:t>
-            </a:r>
-          </a:p>
-        </p:txBody>
-      </p:sp>
-      <p:sp>
-        <p:nvSpPr>
-          <p:cNvPr id="6" name="Textplatzhalter 5">
-            <a:extLst>
-              <a:ext uri="{FF2B5EF4-FFF2-40B4-BE49-F238E27FC236}">
-                <a16:creationId xmlns:a16="http://schemas.microsoft.com/office/drawing/2014/main" id="{1A978FF0-416E-435D-A1B6-8E806648C90A}"/>
-              </a:ext>
-            </a:extLst>
-          </p:cNvPr>
-          <p:cNvSpPr>
-            <a:spLocks noGrp="1"/>
-          </p:cNvSpPr>
-          <p:nvPr>
-            <p:ph type="body" idx="1"/>
-          </p:nvPr>
-        </p:nvSpPr>
-        <p:spPr/>
-        <p:txBody>
-          <a:bodyPr/>
-          <a:lstStyle/>
-          <a:p>
-            <a:r>
-              <a:rPr lang="de-CH" dirty="0"/>
-              <a:t>Funktional </a:t>
-            </a:r>
-          </a:p>
-        </p:txBody>
-      </p:sp>
-      <p:sp>
-        <p:nvSpPr>
-          <p:cNvPr id="4" name="Inhaltsplatzhalter 3">
-            <a:extLst>
-              <a:ext uri="{FF2B5EF4-FFF2-40B4-BE49-F238E27FC236}">
-                <a16:creationId xmlns:a16="http://schemas.microsoft.com/office/drawing/2014/main" id="{E77903A8-DBAD-495D-81CD-BDC084CABDDC}"/>
-              </a:ext>
-            </a:extLst>
-          </p:cNvPr>
-          <p:cNvSpPr>
-            <a:spLocks noGrp="1"/>
-          </p:cNvSpPr>
-          <p:nvPr>
-            <p:ph sz="half" idx="2"/>
-          </p:nvPr>
-        </p:nvSpPr>
-        <p:spPr/>
-        <p:txBody>
-          <a:bodyPr/>
-          <a:lstStyle/>
-          <a:p>
-            <a:r>
-              <a:rPr lang="de-CH" dirty="0"/>
-              <a:t>Login</a:t>
-            </a:r>
-          </a:p>
-          <a:p>
-            <a:r>
-              <a:rPr lang="de-CH" dirty="0"/>
-              <a:t>Account erstellen</a:t>
-            </a:r>
-          </a:p>
-          <a:p>
-            <a:r>
-              <a:rPr lang="de-CH" dirty="0"/>
-              <a:t>Seminare anzeigen</a:t>
-            </a:r>
-          </a:p>
-          <a:p>
-            <a:r>
-              <a:rPr lang="de-CH" dirty="0"/>
-              <a:t>Seminare hinzufügen</a:t>
-            </a:r>
-          </a:p>
-          <a:p>
-            <a:r>
-              <a:rPr lang="de-CH" dirty="0"/>
-              <a:t>Wiki Eintrag erfassen</a:t>
-            </a:r>
-          </a:p>
-          <a:p>
-            <a:r>
-              <a:rPr lang="de-CH" dirty="0"/>
-              <a:t>Forum Beitrag erfassen</a:t>
-            </a:r>
-          </a:p>
-          <a:p>
-            <a:r>
-              <a:rPr lang="de-CH" dirty="0"/>
-              <a:t>… </a:t>
-            </a:r>
-          </a:p>
-        </p:txBody>
-      </p:sp>
-      <p:sp>
-        <p:nvSpPr>
-          <p:cNvPr id="7" name="Textplatzhalter 6">
-            <a:extLst>
-              <a:ext uri="{FF2B5EF4-FFF2-40B4-BE49-F238E27FC236}">
-                <a16:creationId xmlns:a16="http://schemas.microsoft.com/office/drawing/2014/main" id="{F29391AC-1C0C-4B1E-8634-CDC086C3E1D9}"/>
-              </a:ext>
-            </a:extLst>
-          </p:cNvPr>
-          <p:cNvSpPr>
-            <a:spLocks noGrp="1"/>
-          </p:cNvSpPr>
-          <p:nvPr>
-            <p:ph type="body" sz="quarter" idx="3"/>
-          </p:nvPr>
-        </p:nvSpPr>
-        <p:spPr/>
-        <p:txBody>
-          <a:bodyPr/>
-          <a:lstStyle/>
-          <a:p>
-            <a:r>
-              <a:rPr lang="de-CH" dirty="0"/>
-              <a:t>Nicht funktional</a:t>
-            </a:r>
-          </a:p>
-        </p:txBody>
-      </p:sp>
-      <p:sp>
-        <p:nvSpPr>
-          <p:cNvPr id="8" name="Inhaltsplatzhalter 7">
-            <a:extLst>
-              <a:ext uri="{FF2B5EF4-FFF2-40B4-BE49-F238E27FC236}">
-                <a16:creationId xmlns:a16="http://schemas.microsoft.com/office/drawing/2014/main" id="{7490C203-A0E7-4A79-A34E-B81FEFF6D2BC}"/>
-              </a:ext>
-            </a:extLst>
-          </p:cNvPr>
-          <p:cNvSpPr>
-            <a:spLocks noGrp="1"/>
-          </p:cNvSpPr>
-          <p:nvPr>
-            <p:ph sz="quarter" idx="4"/>
-          </p:nvPr>
-        </p:nvSpPr>
-        <p:spPr/>
-        <p:txBody>
-          <a:bodyPr/>
-          <a:lstStyle/>
-          <a:p>
-            <a:r>
-              <a:rPr lang="de-CH" dirty="0"/>
-              <a:t>Benutzerfreundlichkeit</a:t>
-            </a:r>
-          </a:p>
-          <a:p>
-            <a:r>
-              <a:rPr lang="de-CH" dirty="0"/>
-              <a:t>Berechtigungskonzept</a:t>
-            </a:r>
-          </a:p>
-          <a:p>
-            <a:r>
-              <a:rPr lang="de-CH" dirty="0"/>
-              <a:t>Geschwindigkeit</a:t>
-            </a:r>
-          </a:p>
-          <a:p>
-            <a:r>
-              <a:rPr lang="de-CH" dirty="0"/>
-              <a:t>Responsive</a:t>
-            </a:r>
-          </a:p>
-          <a:p>
-            <a:r>
-              <a:rPr lang="de-CH" dirty="0"/>
-              <a:t>…</a:t>
-            </a:r>
-          </a:p>
-        </p:txBody>
-      </p:sp>
-    </p:spTree>
-    <p:extLst>
-      <p:ext uri="{BB962C8B-B14F-4D97-AF65-F5344CB8AC3E}">
-        <p14:creationId xmlns:p14="http://schemas.microsoft.com/office/powerpoint/2010/main" val="2513437308"/>
-      </p:ext>
-    </p:extLst>
-  </p:cSld>
-  <p:clrMapOvr>
-    <a:masterClrMapping/>
-  </p:clrMapOvr>
-  <p:transition spd="slow">
-    <p:push dir="u"/>
-  </p:transition>
-</p:sld>
-</file>
-
 <file path=ppt/slides/slide6.xml><?xml version="1.0" encoding="utf-8"?>
 <p:sld xmlns:a="http://schemas.openxmlformats.org/drawingml/2006/main" xmlns:r="http://schemas.openxmlformats.org/officeDocument/2006/relationships" xmlns:p="http://schemas.openxmlformats.org/presentationml/2006/main">
   <p:cSld>
@@ -8413,6 +8730,240 @@
       </p:grpSpPr>
       <p:sp>
         <p:nvSpPr>
+          <p:cNvPr id="2" name="Titel 1">
+            <a:extLst>
+              <a:ext uri="{FF2B5EF4-FFF2-40B4-BE49-F238E27FC236}">
+                <a16:creationId xmlns:a16="http://schemas.microsoft.com/office/drawing/2014/main" id="{3424ECCF-D8EE-4D23-BC78-350ED9F8037F}"/>
+              </a:ext>
+            </a:extLst>
+          </p:cNvPr>
+          <p:cNvSpPr>
+            <a:spLocks noGrp="1"/>
+          </p:cNvSpPr>
+          <p:nvPr>
+            <p:ph type="title"/>
+          </p:nvPr>
+        </p:nvSpPr>
+        <p:spPr/>
+        <p:txBody>
+          <a:bodyPr/>
+          <a:lstStyle/>
+          <a:p>
+            <a:r>
+              <a:rPr lang="de-CH" dirty="0"/>
+              <a:t>Anforderungen</a:t>
+            </a:r>
+          </a:p>
+        </p:txBody>
+      </p:sp>
+      <p:sp>
+        <p:nvSpPr>
+          <p:cNvPr id="6" name="Textplatzhalter 5">
+            <a:extLst>
+              <a:ext uri="{FF2B5EF4-FFF2-40B4-BE49-F238E27FC236}">
+                <a16:creationId xmlns:a16="http://schemas.microsoft.com/office/drawing/2014/main" id="{1A978FF0-416E-435D-A1B6-8E806648C90A}"/>
+              </a:ext>
+            </a:extLst>
+          </p:cNvPr>
+          <p:cNvSpPr>
+            <a:spLocks noGrp="1"/>
+          </p:cNvSpPr>
+          <p:nvPr>
+            <p:ph type="body" idx="1"/>
+          </p:nvPr>
+        </p:nvSpPr>
+        <p:spPr/>
+        <p:txBody>
+          <a:bodyPr/>
+          <a:lstStyle/>
+          <a:p>
+            <a:r>
+              <a:rPr lang="de-CH" dirty="0"/>
+              <a:t>Funktional </a:t>
+            </a:r>
+          </a:p>
+        </p:txBody>
+      </p:sp>
+      <p:sp>
+        <p:nvSpPr>
+          <p:cNvPr id="4" name="Inhaltsplatzhalter 3">
+            <a:extLst>
+              <a:ext uri="{FF2B5EF4-FFF2-40B4-BE49-F238E27FC236}">
+                <a16:creationId xmlns:a16="http://schemas.microsoft.com/office/drawing/2014/main" id="{E77903A8-DBAD-495D-81CD-BDC084CABDDC}"/>
+              </a:ext>
+            </a:extLst>
+          </p:cNvPr>
+          <p:cNvSpPr>
+            <a:spLocks noGrp="1"/>
+          </p:cNvSpPr>
+          <p:nvPr>
+            <p:ph sz="half" idx="2"/>
+          </p:nvPr>
+        </p:nvSpPr>
+        <p:spPr/>
+        <p:txBody>
+          <a:bodyPr/>
+          <a:lstStyle/>
+          <a:p>
+            <a:r>
+              <a:rPr lang="de-CH"/>
+              <a:t>Login</a:t>
+            </a:r>
+          </a:p>
+          <a:p>
+            <a:r>
+              <a:rPr lang="de-CH"/>
+              <a:t>Account erstellen</a:t>
+            </a:r>
+          </a:p>
+          <a:p>
+            <a:r>
+              <a:rPr lang="de-CH"/>
+              <a:t>Seminare anzeigen</a:t>
+            </a:r>
+          </a:p>
+          <a:p>
+            <a:r>
+              <a:rPr lang="de-CH"/>
+              <a:t>Seminare hinzufügen</a:t>
+            </a:r>
+          </a:p>
+          <a:p>
+            <a:r>
+              <a:rPr lang="de-CH"/>
+              <a:t>Wiki Eintrag erfassen</a:t>
+            </a:r>
+          </a:p>
+          <a:p>
+            <a:r>
+              <a:rPr lang="de-CH"/>
+              <a:t>Forum Beitrag erfassen</a:t>
+            </a:r>
+          </a:p>
+          <a:p>
+            <a:r>
+              <a:rPr lang="de-CH"/>
+              <a:t>… </a:t>
+            </a:r>
+            <a:endParaRPr lang="de-CH" dirty="0"/>
+          </a:p>
+        </p:txBody>
+      </p:sp>
+      <p:sp>
+        <p:nvSpPr>
+          <p:cNvPr id="7" name="Textplatzhalter 6">
+            <a:extLst>
+              <a:ext uri="{FF2B5EF4-FFF2-40B4-BE49-F238E27FC236}">
+                <a16:creationId xmlns:a16="http://schemas.microsoft.com/office/drawing/2014/main" id="{F29391AC-1C0C-4B1E-8634-CDC086C3E1D9}"/>
+              </a:ext>
+            </a:extLst>
+          </p:cNvPr>
+          <p:cNvSpPr>
+            <a:spLocks noGrp="1"/>
+          </p:cNvSpPr>
+          <p:nvPr>
+            <p:ph type="body" sz="quarter" idx="3"/>
+          </p:nvPr>
+        </p:nvSpPr>
+        <p:spPr/>
+        <p:txBody>
+          <a:bodyPr/>
+          <a:lstStyle/>
+          <a:p>
+            <a:r>
+              <a:rPr lang="de-CH" dirty="0"/>
+              <a:t>Nicht funktional</a:t>
+            </a:r>
+          </a:p>
+        </p:txBody>
+      </p:sp>
+      <p:sp>
+        <p:nvSpPr>
+          <p:cNvPr id="8" name="Inhaltsplatzhalter 7">
+            <a:extLst>
+              <a:ext uri="{FF2B5EF4-FFF2-40B4-BE49-F238E27FC236}">
+                <a16:creationId xmlns:a16="http://schemas.microsoft.com/office/drawing/2014/main" id="{7490C203-A0E7-4A79-A34E-B81FEFF6D2BC}"/>
+              </a:ext>
+            </a:extLst>
+          </p:cNvPr>
+          <p:cNvSpPr>
+            <a:spLocks noGrp="1"/>
+          </p:cNvSpPr>
+          <p:nvPr>
+            <p:ph sz="quarter" idx="4"/>
+          </p:nvPr>
+        </p:nvSpPr>
+        <p:spPr/>
+        <p:txBody>
+          <a:bodyPr/>
+          <a:lstStyle/>
+          <a:p>
+            <a:r>
+              <a:rPr lang="de-CH"/>
+              <a:t>Benutzerfreundlichkeit</a:t>
+            </a:r>
+          </a:p>
+          <a:p>
+            <a:r>
+              <a:rPr lang="de-CH"/>
+              <a:t>Berechtigungskonzept</a:t>
+            </a:r>
+          </a:p>
+          <a:p>
+            <a:r>
+              <a:rPr lang="de-CH"/>
+              <a:t>Geschwindigkeit</a:t>
+            </a:r>
+          </a:p>
+          <a:p>
+            <a:r>
+              <a:rPr lang="de-CH"/>
+              <a:t>Responsive</a:t>
+            </a:r>
+          </a:p>
+          <a:p>
+            <a:r>
+              <a:rPr lang="de-CH"/>
+              <a:t>…</a:t>
+            </a:r>
+          </a:p>
+        </p:txBody>
+      </p:sp>
+    </p:spTree>
+    <p:extLst>
+      <p:ext uri="{BB962C8B-B14F-4D97-AF65-F5344CB8AC3E}">
+        <p14:creationId xmlns:p14="http://schemas.microsoft.com/office/powerpoint/2010/main" val="2513437308"/>
+      </p:ext>
+    </p:extLst>
+  </p:cSld>
+  <p:clrMapOvr>
+    <a:masterClrMapping/>
+  </p:clrMapOvr>
+  <p:transition spd="slow">
+    <p:push dir="u"/>
+  </p:transition>
+</p:sld>
+</file>
+
+<file path=ppt/slides/slide7.xml><?xml version="1.0" encoding="utf-8"?>
+<p:sld xmlns:a="http://schemas.openxmlformats.org/drawingml/2006/main" xmlns:r="http://schemas.openxmlformats.org/officeDocument/2006/relationships" xmlns:p="http://schemas.openxmlformats.org/presentationml/2006/main">
+  <p:cSld>
+    <p:spTree>
+      <p:nvGrpSpPr>
+        <p:cNvPr id="1" name=""/>
+        <p:cNvGrpSpPr/>
+        <p:nvPr/>
+      </p:nvGrpSpPr>
+      <p:grpSpPr>
+        <a:xfrm>
+          <a:off x="0" y="0"/>
+          <a:ext cx="0" cy="0"/>
+          <a:chOff x="0" y="0"/>
+          <a:chExt cx="0" cy="0"/>
+        </a:xfrm>
+      </p:grpSpPr>
+      <p:sp>
+        <p:nvSpPr>
           <p:cNvPr id="7" name="Titel 6">
             <a:extLst>
               <a:ext uri="{FF2B5EF4-FFF2-40B4-BE49-F238E27FC236}">
@@ -8551,7 +9102,7 @@
 </p:sld>
 </file>
 
-<file path=ppt/slides/slide7.xml><?xml version="1.0" encoding="utf-8"?>
+<file path=ppt/slides/slide8.xml><?xml version="1.0" encoding="utf-8"?>
 <p:sld xmlns:a="http://schemas.openxmlformats.org/drawingml/2006/main" xmlns:r="http://schemas.openxmlformats.org/officeDocument/2006/relationships" xmlns:p="http://schemas.openxmlformats.org/presentationml/2006/main">
   <p:cSld>
     <p:spTree>
